--- a/Presentation1.pptx
+++ b/Presentation1.pptx
@@ -4802,7 +4802,15 @@
           <a:bodyPr/>
           <a:lstStyle/>
           <a:p>
-            <a:endParaRPr lang="en-US"/>
+            <a:r>
+              <a:rPr lang="en-US" dirty="0"/>
+              <a:t>Phillips </a:t>
+            </a:r>
+            <a:r>
+              <a:rPr lang="en-US"/>
+              <a:t>&amp; Cohen 2025</a:t>
+            </a:r>
+            <a:endParaRPr lang="en-US" dirty="0"/>
           </a:p>
         </p:txBody>
       </p:sp>
